--- a/1. 기능정리/Project6 기능정리 - 서희.pptx
+++ b/1. 기능정리/Project6 기능정리 - 서희.pptx
@@ -107,6 +107,22 @@
       </a:defRPr>
     </a:lvl9pPr>
   </p:defaultTextStyle>
+  <p:extLst>
+    <p:ext uri="{EFAFB233-063F-42B5-8137-9DF3F51BA10A}">
+      <p15:sldGuideLst xmlns:p15="http://schemas.microsoft.com/office/powerpoint/2012/main">
+        <p15:guide id="1" orient="horz" pos="2160">
+          <p15:clr>
+            <a:srgbClr val="A4A3A4"/>
+          </p15:clr>
+        </p15:guide>
+        <p15:guide id="2" pos="2880">
+          <p15:clr>
+            <a:srgbClr val="A4A3A4"/>
+          </p15:clr>
+        </p15:guide>
+      </p15:sldGuideLst>
+    </p:ext>
+  </p:extLst>
 </p:presentation>
 </file>
 
@@ -148,10 +164,9 @@
           <a:lstStyle/>
           <a:p>
             <a:r>
-              <a:rPr lang="ko-KR" altLang="en-US" smtClean="0"/>
+              <a:rPr lang="ko-KR" altLang="en-US"/>
               <a:t>마스터 제목 스타일 편집</a:t>
             </a:r>
-            <a:endParaRPr lang="ko-KR" altLang="en-US"/>
           </a:p>
         </p:txBody>
       </p:sp>
@@ -267,10 +282,9 @@
           </a:lstStyle>
           <a:p>
             <a:r>
-              <a:rPr lang="ko-KR" altLang="en-US" smtClean="0"/>
+              <a:rPr lang="ko-KR" altLang="en-US"/>
               <a:t>마스터 부제목 스타일 편집</a:t>
             </a:r>
-            <a:endParaRPr lang="ko-KR" altLang="en-US"/>
           </a:p>
         </p:txBody>
       </p:sp>
@@ -380,10 +394,9 @@
           <a:lstStyle/>
           <a:p>
             <a:r>
-              <a:rPr lang="ko-KR" altLang="en-US" smtClean="0"/>
+              <a:rPr lang="ko-KR" altLang="en-US"/>
               <a:t>마스터 제목 스타일 편집</a:t>
             </a:r>
-            <a:endParaRPr lang="ko-KR" altLang="en-US"/>
           </a:p>
         </p:txBody>
       </p:sp>
@@ -404,38 +417,37 @@
           <a:p>
             <a:pPr lvl="0"/>
             <a:r>
-              <a:rPr lang="ko-KR" altLang="en-US" smtClean="0"/>
+              <a:rPr lang="ko-KR" altLang="en-US"/>
               <a:t>마스터 텍스트 스타일을 편집합니다</a:t>
             </a:r>
           </a:p>
           <a:p>
             <a:pPr lvl="1"/>
             <a:r>
-              <a:rPr lang="ko-KR" altLang="en-US" smtClean="0"/>
+              <a:rPr lang="ko-KR" altLang="en-US"/>
               <a:t>둘째 수준</a:t>
             </a:r>
           </a:p>
           <a:p>
             <a:pPr lvl="2"/>
             <a:r>
-              <a:rPr lang="ko-KR" altLang="en-US" smtClean="0"/>
+              <a:rPr lang="ko-KR" altLang="en-US"/>
               <a:t>셋째 수준</a:t>
             </a:r>
           </a:p>
           <a:p>
             <a:pPr lvl="3"/>
             <a:r>
-              <a:rPr lang="ko-KR" altLang="en-US" smtClean="0"/>
+              <a:rPr lang="ko-KR" altLang="en-US"/>
               <a:t>넷째 수준</a:t>
             </a:r>
           </a:p>
           <a:p>
             <a:pPr lvl="4"/>
             <a:r>
-              <a:rPr lang="ko-KR" altLang="en-US" smtClean="0"/>
+              <a:rPr lang="ko-KR" altLang="en-US"/>
               <a:t>다섯째 수준</a:t>
             </a:r>
-            <a:endParaRPr lang="ko-KR" altLang="en-US"/>
           </a:p>
         </p:txBody>
       </p:sp>
@@ -550,10 +562,9 @@
           <a:lstStyle/>
           <a:p>
             <a:r>
-              <a:rPr lang="ko-KR" altLang="en-US" smtClean="0"/>
+              <a:rPr lang="ko-KR" altLang="en-US"/>
               <a:t>마스터 제목 스타일 편집</a:t>
             </a:r>
-            <a:endParaRPr lang="ko-KR" altLang="en-US"/>
           </a:p>
         </p:txBody>
       </p:sp>
@@ -579,38 +590,37 @@
           <a:p>
             <a:pPr lvl="0"/>
             <a:r>
-              <a:rPr lang="ko-KR" altLang="en-US" smtClean="0"/>
+              <a:rPr lang="ko-KR" altLang="en-US"/>
               <a:t>마스터 텍스트 스타일을 편집합니다</a:t>
             </a:r>
           </a:p>
           <a:p>
             <a:pPr lvl="1"/>
             <a:r>
-              <a:rPr lang="ko-KR" altLang="en-US" smtClean="0"/>
+              <a:rPr lang="ko-KR" altLang="en-US"/>
               <a:t>둘째 수준</a:t>
             </a:r>
           </a:p>
           <a:p>
             <a:pPr lvl="2"/>
             <a:r>
-              <a:rPr lang="ko-KR" altLang="en-US" smtClean="0"/>
+              <a:rPr lang="ko-KR" altLang="en-US"/>
               <a:t>셋째 수준</a:t>
             </a:r>
           </a:p>
           <a:p>
             <a:pPr lvl="3"/>
             <a:r>
-              <a:rPr lang="ko-KR" altLang="en-US" smtClean="0"/>
+              <a:rPr lang="ko-KR" altLang="en-US"/>
               <a:t>넷째 수준</a:t>
             </a:r>
           </a:p>
           <a:p>
             <a:pPr lvl="4"/>
             <a:r>
-              <a:rPr lang="ko-KR" altLang="en-US" smtClean="0"/>
+              <a:rPr lang="ko-KR" altLang="en-US"/>
               <a:t>다섯째 수준</a:t>
             </a:r>
-            <a:endParaRPr lang="ko-KR" altLang="en-US"/>
           </a:p>
         </p:txBody>
       </p:sp>
@@ -720,10 +730,9 @@
           <a:lstStyle/>
           <a:p>
             <a:r>
-              <a:rPr lang="ko-KR" altLang="en-US" smtClean="0"/>
+              <a:rPr lang="ko-KR" altLang="en-US"/>
               <a:t>마스터 제목 스타일 편집</a:t>
             </a:r>
-            <a:endParaRPr lang="ko-KR" altLang="en-US"/>
           </a:p>
         </p:txBody>
       </p:sp>
@@ -744,38 +753,37 @@
           <a:p>
             <a:pPr lvl="0"/>
             <a:r>
-              <a:rPr lang="ko-KR" altLang="en-US" smtClean="0"/>
+              <a:rPr lang="ko-KR" altLang="en-US"/>
               <a:t>마스터 텍스트 스타일을 편집합니다</a:t>
             </a:r>
           </a:p>
           <a:p>
             <a:pPr lvl="1"/>
             <a:r>
-              <a:rPr lang="ko-KR" altLang="en-US" smtClean="0"/>
+              <a:rPr lang="ko-KR" altLang="en-US"/>
               <a:t>둘째 수준</a:t>
             </a:r>
           </a:p>
           <a:p>
             <a:pPr lvl="2"/>
             <a:r>
-              <a:rPr lang="ko-KR" altLang="en-US" smtClean="0"/>
+              <a:rPr lang="ko-KR" altLang="en-US"/>
               <a:t>셋째 수준</a:t>
             </a:r>
           </a:p>
           <a:p>
             <a:pPr lvl="3"/>
             <a:r>
-              <a:rPr lang="ko-KR" altLang="en-US" smtClean="0"/>
+              <a:rPr lang="ko-KR" altLang="en-US"/>
               <a:t>넷째 수준</a:t>
             </a:r>
           </a:p>
           <a:p>
             <a:pPr lvl="4"/>
             <a:r>
-              <a:rPr lang="ko-KR" altLang="en-US" smtClean="0"/>
+              <a:rPr lang="ko-KR" altLang="en-US"/>
               <a:t>다섯째 수준</a:t>
             </a:r>
-            <a:endParaRPr lang="ko-KR" altLang="en-US"/>
           </a:p>
         </p:txBody>
       </p:sp>
@@ -894,10 +902,9 @@
           </a:lstStyle>
           <a:p>
             <a:r>
-              <a:rPr lang="ko-KR" altLang="en-US" smtClean="0"/>
+              <a:rPr lang="ko-KR" altLang="en-US"/>
               <a:t>마스터 제목 스타일 편집</a:t>
             </a:r>
-            <a:endParaRPr lang="ko-KR" altLang="en-US"/>
           </a:p>
         </p:txBody>
       </p:sp>
@@ -1014,7 +1021,7 @@
           <a:p>
             <a:pPr lvl="0"/>
             <a:r>
-              <a:rPr lang="ko-KR" altLang="en-US" smtClean="0"/>
+              <a:rPr lang="ko-KR" altLang="en-US"/>
               <a:t>마스터 텍스트 스타일을 편집합니다</a:t>
             </a:r>
           </a:p>
@@ -1126,10 +1133,9 @@
           <a:lstStyle/>
           <a:p>
             <a:r>
-              <a:rPr lang="ko-KR" altLang="en-US" smtClean="0"/>
+              <a:rPr lang="ko-KR" altLang="en-US"/>
               <a:t>마스터 제목 스타일 편집</a:t>
             </a:r>
-            <a:endParaRPr lang="ko-KR" altLang="en-US"/>
           </a:p>
         </p:txBody>
       </p:sp>
@@ -1183,38 +1189,37 @@
           <a:p>
             <a:pPr lvl="0"/>
             <a:r>
-              <a:rPr lang="ko-KR" altLang="en-US" smtClean="0"/>
+              <a:rPr lang="ko-KR" altLang="en-US"/>
               <a:t>마스터 텍스트 스타일을 편집합니다</a:t>
             </a:r>
           </a:p>
           <a:p>
             <a:pPr lvl="1"/>
             <a:r>
-              <a:rPr lang="ko-KR" altLang="en-US" smtClean="0"/>
+              <a:rPr lang="ko-KR" altLang="en-US"/>
               <a:t>둘째 수준</a:t>
             </a:r>
           </a:p>
           <a:p>
             <a:pPr lvl="2"/>
             <a:r>
-              <a:rPr lang="ko-KR" altLang="en-US" smtClean="0"/>
+              <a:rPr lang="ko-KR" altLang="en-US"/>
               <a:t>셋째 수준</a:t>
             </a:r>
           </a:p>
           <a:p>
             <a:pPr lvl="3"/>
             <a:r>
-              <a:rPr lang="ko-KR" altLang="en-US" smtClean="0"/>
+              <a:rPr lang="ko-KR" altLang="en-US"/>
               <a:t>넷째 수준</a:t>
             </a:r>
           </a:p>
           <a:p>
             <a:pPr lvl="4"/>
             <a:r>
-              <a:rPr lang="ko-KR" altLang="en-US" smtClean="0"/>
+              <a:rPr lang="ko-KR" altLang="en-US"/>
               <a:t>다섯째 수준</a:t>
             </a:r>
-            <a:endParaRPr lang="ko-KR" altLang="en-US"/>
           </a:p>
         </p:txBody>
       </p:sp>
@@ -1268,38 +1273,37 @@
           <a:p>
             <a:pPr lvl="0"/>
             <a:r>
-              <a:rPr lang="ko-KR" altLang="en-US" smtClean="0"/>
+              <a:rPr lang="ko-KR" altLang="en-US"/>
               <a:t>마스터 텍스트 스타일을 편집합니다</a:t>
             </a:r>
           </a:p>
           <a:p>
             <a:pPr lvl="1"/>
             <a:r>
-              <a:rPr lang="ko-KR" altLang="en-US" smtClean="0"/>
+              <a:rPr lang="ko-KR" altLang="en-US"/>
               <a:t>둘째 수준</a:t>
             </a:r>
           </a:p>
           <a:p>
             <a:pPr lvl="2"/>
             <a:r>
-              <a:rPr lang="ko-KR" altLang="en-US" smtClean="0"/>
+              <a:rPr lang="ko-KR" altLang="en-US"/>
               <a:t>셋째 수준</a:t>
             </a:r>
           </a:p>
           <a:p>
             <a:pPr lvl="3"/>
             <a:r>
-              <a:rPr lang="ko-KR" altLang="en-US" smtClean="0"/>
+              <a:rPr lang="ko-KR" altLang="en-US"/>
               <a:t>넷째 수준</a:t>
             </a:r>
           </a:p>
           <a:p>
             <a:pPr lvl="4"/>
             <a:r>
-              <a:rPr lang="ko-KR" altLang="en-US" smtClean="0"/>
+              <a:rPr lang="ko-KR" altLang="en-US"/>
               <a:t>다섯째 수준</a:t>
             </a:r>
-            <a:endParaRPr lang="ko-KR" altLang="en-US"/>
           </a:p>
         </p:txBody>
       </p:sp>
@@ -1413,10 +1417,9 @@
           </a:lstStyle>
           <a:p>
             <a:r>
-              <a:rPr lang="ko-KR" altLang="en-US" smtClean="0"/>
+              <a:rPr lang="ko-KR" altLang="en-US"/>
               <a:t>마스터 제목 스타일 편집</a:t>
             </a:r>
-            <a:endParaRPr lang="ko-KR" altLang="en-US"/>
           </a:p>
         </p:txBody>
       </p:sp>
@@ -1479,7 +1482,7 @@
           <a:p>
             <a:pPr lvl="0"/>
             <a:r>
-              <a:rPr lang="ko-KR" altLang="en-US" smtClean="0"/>
+              <a:rPr lang="ko-KR" altLang="en-US"/>
               <a:t>마스터 텍스트 스타일을 편집합니다</a:t>
             </a:r>
           </a:p>
@@ -1535,38 +1538,37 @@
           <a:p>
             <a:pPr lvl="0"/>
             <a:r>
-              <a:rPr lang="ko-KR" altLang="en-US" smtClean="0"/>
+              <a:rPr lang="ko-KR" altLang="en-US"/>
               <a:t>마스터 텍스트 스타일을 편집합니다</a:t>
             </a:r>
           </a:p>
           <a:p>
             <a:pPr lvl="1"/>
             <a:r>
-              <a:rPr lang="ko-KR" altLang="en-US" smtClean="0"/>
+              <a:rPr lang="ko-KR" altLang="en-US"/>
               <a:t>둘째 수준</a:t>
             </a:r>
           </a:p>
           <a:p>
             <a:pPr lvl="2"/>
             <a:r>
-              <a:rPr lang="ko-KR" altLang="en-US" smtClean="0"/>
+              <a:rPr lang="ko-KR" altLang="en-US"/>
               <a:t>셋째 수준</a:t>
             </a:r>
           </a:p>
           <a:p>
             <a:pPr lvl="3"/>
             <a:r>
-              <a:rPr lang="ko-KR" altLang="en-US" smtClean="0"/>
+              <a:rPr lang="ko-KR" altLang="en-US"/>
               <a:t>넷째 수준</a:t>
             </a:r>
           </a:p>
           <a:p>
             <a:pPr lvl="4"/>
             <a:r>
-              <a:rPr lang="ko-KR" altLang="en-US" smtClean="0"/>
+              <a:rPr lang="ko-KR" altLang="en-US"/>
               <a:t>다섯째 수준</a:t>
             </a:r>
-            <a:endParaRPr lang="ko-KR" altLang="en-US"/>
           </a:p>
         </p:txBody>
       </p:sp>
@@ -1629,7 +1631,7 @@
           <a:p>
             <a:pPr lvl="0"/>
             <a:r>
-              <a:rPr lang="ko-KR" altLang="en-US" smtClean="0"/>
+              <a:rPr lang="ko-KR" altLang="en-US"/>
               <a:t>마스터 텍스트 스타일을 편집합니다</a:t>
             </a:r>
           </a:p>
@@ -1685,38 +1687,37 @@
           <a:p>
             <a:pPr lvl="0"/>
             <a:r>
-              <a:rPr lang="ko-KR" altLang="en-US" smtClean="0"/>
+              <a:rPr lang="ko-KR" altLang="en-US"/>
               <a:t>마스터 텍스트 스타일을 편집합니다</a:t>
             </a:r>
           </a:p>
           <a:p>
             <a:pPr lvl="1"/>
             <a:r>
-              <a:rPr lang="ko-KR" altLang="en-US" smtClean="0"/>
+              <a:rPr lang="ko-KR" altLang="en-US"/>
               <a:t>둘째 수준</a:t>
             </a:r>
           </a:p>
           <a:p>
             <a:pPr lvl="2"/>
             <a:r>
-              <a:rPr lang="ko-KR" altLang="en-US" smtClean="0"/>
+              <a:rPr lang="ko-KR" altLang="en-US"/>
               <a:t>셋째 수준</a:t>
             </a:r>
           </a:p>
           <a:p>
             <a:pPr lvl="3"/>
             <a:r>
-              <a:rPr lang="ko-KR" altLang="en-US" smtClean="0"/>
+              <a:rPr lang="ko-KR" altLang="en-US"/>
               <a:t>넷째 수준</a:t>
             </a:r>
           </a:p>
           <a:p>
             <a:pPr lvl="4"/>
             <a:r>
-              <a:rPr lang="ko-KR" altLang="en-US" smtClean="0"/>
+              <a:rPr lang="ko-KR" altLang="en-US"/>
               <a:t>다섯째 수준</a:t>
             </a:r>
-            <a:endParaRPr lang="ko-KR" altLang="en-US"/>
           </a:p>
         </p:txBody>
       </p:sp>
@@ -1826,10 +1827,9 @@
           <a:lstStyle/>
           <a:p>
             <a:r>
-              <a:rPr lang="ko-KR" altLang="en-US" smtClean="0"/>
+              <a:rPr lang="ko-KR" altLang="en-US"/>
               <a:t>마스터 제목 스타일 편집</a:t>
             </a:r>
-            <a:endParaRPr lang="ko-KR" altLang="en-US"/>
           </a:p>
         </p:txBody>
       </p:sp>
@@ -2038,10 +2038,9 @@
           </a:lstStyle>
           <a:p>
             <a:r>
-              <a:rPr lang="ko-KR" altLang="en-US" smtClean="0"/>
+              <a:rPr lang="ko-KR" altLang="en-US"/>
               <a:t>마스터 제목 스타일 편집</a:t>
             </a:r>
-            <a:endParaRPr lang="ko-KR" altLang="en-US"/>
           </a:p>
         </p:txBody>
       </p:sp>
@@ -2095,38 +2094,37 @@
           <a:p>
             <a:pPr lvl="0"/>
             <a:r>
-              <a:rPr lang="ko-KR" altLang="en-US" smtClean="0"/>
+              <a:rPr lang="ko-KR" altLang="en-US"/>
               <a:t>마스터 텍스트 스타일을 편집합니다</a:t>
             </a:r>
           </a:p>
           <a:p>
             <a:pPr lvl="1"/>
             <a:r>
-              <a:rPr lang="ko-KR" altLang="en-US" smtClean="0"/>
+              <a:rPr lang="ko-KR" altLang="en-US"/>
               <a:t>둘째 수준</a:t>
             </a:r>
           </a:p>
           <a:p>
             <a:pPr lvl="2"/>
             <a:r>
-              <a:rPr lang="ko-KR" altLang="en-US" smtClean="0"/>
+              <a:rPr lang="ko-KR" altLang="en-US"/>
               <a:t>셋째 수준</a:t>
             </a:r>
           </a:p>
           <a:p>
             <a:pPr lvl="3"/>
             <a:r>
-              <a:rPr lang="ko-KR" altLang="en-US" smtClean="0"/>
+              <a:rPr lang="ko-KR" altLang="en-US"/>
               <a:t>넷째 수준</a:t>
             </a:r>
           </a:p>
           <a:p>
             <a:pPr lvl="4"/>
             <a:r>
-              <a:rPr lang="ko-KR" altLang="en-US" smtClean="0"/>
+              <a:rPr lang="ko-KR" altLang="en-US"/>
               <a:t>다섯째 수준</a:t>
             </a:r>
-            <a:endParaRPr lang="ko-KR" altLang="en-US"/>
           </a:p>
         </p:txBody>
       </p:sp>
@@ -2189,7 +2187,7 @@
           <a:p>
             <a:pPr lvl="0"/>
             <a:r>
-              <a:rPr lang="ko-KR" altLang="en-US" smtClean="0"/>
+              <a:rPr lang="ko-KR" altLang="en-US"/>
               <a:t>마스터 텍스트 스타일을 편집합니다</a:t>
             </a:r>
           </a:p>
@@ -2310,10 +2308,9 @@
           </a:lstStyle>
           <a:p>
             <a:r>
-              <a:rPr lang="ko-KR" altLang="en-US" smtClean="0"/>
+              <a:rPr lang="ko-KR" altLang="en-US"/>
               <a:t>마스터 제목 스타일 편집</a:t>
             </a:r>
-            <a:endParaRPr lang="ko-KR" altLang="en-US"/>
           </a:p>
         </p:txBody>
       </p:sp>
@@ -2437,7 +2434,7 @@
           <a:p>
             <a:pPr lvl="0"/>
             <a:r>
-              <a:rPr lang="ko-KR" altLang="en-US" smtClean="0"/>
+              <a:rPr lang="ko-KR" altLang="en-US"/>
               <a:t>마스터 텍스트 스타일을 편집합니다</a:t>
             </a:r>
           </a:p>
@@ -2564,10 +2561,9 @@
           <a:lstStyle/>
           <a:p>
             <a:r>
-              <a:rPr lang="ko-KR" altLang="en-US" smtClean="0"/>
+              <a:rPr lang="ko-KR" altLang="en-US"/>
               <a:t>마스터 제목 스타일 편집</a:t>
             </a:r>
-            <a:endParaRPr lang="ko-KR" altLang="en-US"/>
           </a:p>
         </p:txBody>
       </p:sp>
@@ -2598,38 +2594,37 @@
           <a:p>
             <a:pPr lvl="0"/>
             <a:r>
-              <a:rPr lang="ko-KR" altLang="en-US" smtClean="0"/>
+              <a:rPr lang="ko-KR" altLang="en-US"/>
               <a:t>마스터 텍스트 스타일을 편집합니다</a:t>
             </a:r>
           </a:p>
           <a:p>
             <a:pPr lvl="1"/>
             <a:r>
-              <a:rPr lang="ko-KR" altLang="en-US" smtClean="0"/>
+              <a:rPr lang="ko-KR" altLang="en-US"/>
               <a:t>둘째 수준</a:t>
             </a:r>
           </a:p>
           <a:p>
             <a:pPr lvl="2"/>
             <a:r>
-              <a:rPr lang="ko-KR" altLang="en-US" smtClean="0"/>
+              <a:rPr lang="ko-KR" altLang="en-US"/>
               <a:t>셋째 수준</a:t>
             </a:r>
           </a:p>
           <a:p>
             <a:pPr lvl="3"/>
             <a:r>
-              <a:rPr lang="ko-KR" altLang="en-US" smtClean="0"/>
+              <a:rPr lang="ko-KR" altLang="en-US"/>
               <a:t>넷째 수준</a:t>
             </a:r>
           </a:p>
           <a:p>
             <a:pPr lvl="4"/>
             <a:r>
-              <a:rPr lang="ko-KR" altLang="en-US" smtClean="0"/>
+              <a:rPr lang="ko-KR" altLang="en-US"/>
               <a:t>다섯째 수준</a:t>
             </a:r>
-            <a:endParaRPr lang="ko-KR" altLang="en-US"/>
           </a:p>
         </p:txBody>
       </p:sp>
@@ -3054,14 +3049,13 @@
           <a:lstStyle/>
           <a:p>
             <a:r>
-              <a:rPr lang="en-US" altLang="ko-KR" dirty="0" smtClean="0"/>
+              <a:rPr lang="en-US" altLang="ko-KR" dirty="0"/>
               <a:t>Project6 </a:t>
             </a:r>
             <a:r>
-              <a:rPr lang="ko-KR" altLang="en-US" dirty="0" smtClean="0"/>
+              <a:rPr lang="ko-KR" altLang="en-US" dirty="0"/>
               <a:t>기능정리</a:t>
             </a:r>
-            <a:endParaRPr lang="ko-KR" altLang="en-US" dirty="0"/>
           </a:p>
         </p:txBody>
       </p:sp>
@@ -3132,10 +3126,10 @@
           <a:lstStyle/>
           <a:p>
             <a:r>
-              <a:rPr lang="ko-KR" altLang="en-US" dirty="0" smtClean="0"/>
+              <a:rPr lang="ko-KR" altLang="en-US" dirty="0"/>
               <a:t>사용자</a:t>
             </a:r>
-            <a:endParaRPr lang="en-US" altLang="ko-KR" dirty="0" smtClean="0"/>
+            <a:endParaRPr lang="en-US" altLang="ko-KR" dirty="0"/>
           </a:p>
         </p:txBody>
       </p:sp>
@@ -3148,7 +3142,7 @@
         <p:spPr>
           <a:xfrm>
             <a:off x="428596" y="1285860"/>
-            <a:ext cx="184731" cy="923330"/>
+            <a:ext cx="8463884" cy="3693319"/>
           </a:xfrm>
           <a:prstGeom prst="rect">
             <a:avLst/>
@@ -3156,7 +3150,7 @@
           <a:noFill/>
         </p:spPr>
         <p:txBody>
-          <a:bodyPr wrap="none" rtlCol="0">
+          <a:bodyPr wrap="square" rtlCol="0">
             <a:spAutoFit/>
           </a:bodyPr>
           <a:lstStyle/>
@@ -3164,7 +3158,209 @@
             <a:endParaRPr lang="en-US" altLang="ko-KR" dirty="0"/>
           </a:p>
           <a:p>
-            <a:endParaRPr lang="en-US" altLang="ko-KR" dirty="0" smtClean="0"/>
+            <a:pPr marL="342900" indent="-342900">
+              <a:buAutoNum type="arabicPeriod"/>
+            </a:pPr>
+            <a:r>
+              <a:rPr lang="ko-KR" altLang="en-US" dirty="0"/>
+              <a:t>예치금 충전 내역 확인</a:t>
+            </a:r>
+            <a:r>
+              <a:rPr lang="en-US" altLang="ko-KR" dirty="0"/>
+              <a:t>/ </a:t>
+            </a:r>
+            <a:r>
+              <a:rPr lang="ko-KR" altLang="en-US" dirty="0"/>
+              <a:t>출금</a:t>
+            </a:r>
+            <a:r>
+              <a:rPr lang="en-US" altLang="ko-KR" dirty="0"/>
+              <a:t>/ </a:t>
+            </a:r>
+            <a:r>
+              <a:rPr lang="ko-KR" altLang="en-US" dirty="0"/>
+              <a:t>이용내역</a:t>
+            </a:r>
+            <a:endParaRPr lang="en-US" altLang="ko-KR" dirty="0"/>
+          </a:p>
+          <a:p>
+            <a:pPr marL="342900" indent="-342900">
+              <a:buAutoNum type="arabicPeriod"/>
+            </a:pPr>
+            <a:r>
+              <a:rPr lang="ko-KR" altLang="en-US" dirty="0"/>
+              <a:t>로그인</a:t>
+            </a:r>
+            <a:r>
+              <a:rPr lang="en-US" altLang="ko-KR" dirty="0"/>
+              <a:t>/</a:t>
+            </a:r>
+            <a:r>
+              <a:rPr lang="ko-KR" altLang="en-US" dirty="0"/>
+              <a:t>회원가입 </a:t>
+            </a:r>
+            <a:r>
+              <a:rPr lang="en-US" altLang="ko-KR" dirty="0"/>
+              <a:t>– </a:t>
+            </a:r>
+            <a:r>
+              <a:rPr lang="ko-KR" altLang="en-US" dirty="0"/>
+              <a:t>소셜 로그인</a:t>
+            </a:r>
+            <a:endParaRPr lang="en-US" altLang="ko-KR" dirty="0"/>
+          </a:p>
+          <a:p>
+            <a:pPr marL="342900" indent="-342900">
+              <a:buAutoNum type="arabicPeriod"/>
+            </a:pPr>
+            <a:r>
+              <a:rPr lang="ko-KR" altLang="en-US" dirty="0"/>
+              <a:t>공지사항</a:t>
+            </a:r>
+            <a:r>
+              <a:rPr lang="en-US" altLang="ko-KR" dirty="0"/>
+              <a:t>, FAQ</a:t>
+            </a:r>
+          </a:p>
+          <a:p>
+            <a:pPr marL="342900" indent="-342900">
+              <a:buAutoNum type="arabicPeriod"/>
+            </a:pPr>
+            <a:r>
+              <a:rPr lang="ko-KR" altLang="en-US" dirty="0"/>
+              <a:t>프로젝트 상세 페이지</a:t>
+            </a:r>
+            <a:r>
+              <a:rPr lang="en-US" altLang="ko-KR" dirty="0"/>
+              <a:t>(</a:t>
+            </a:r>
+            <a:r>
+              <a:rPr lang="ko-KR" altLang="en-US" dirty="0"/>
+              <a:t>프로젝트 이미지</a:t>
+            </a:r>
+            <a:r>
+              <a:rPr lang="en-US" altLang="ko-KR" dirty="0"/>
+              <a:t>, </a:t>
+            </a:r>
+            <a:r>
+              <a:rPr lang="ko-KR" altLang="en-US" dirty="0"/>
+              <a:t>상세 소개</a:t>
+            </a:r>
+            <a:r>
+              <a:rPr lang="en-US" altLang="ko-KR" dirty="0"/>
+              <a:t>, </a:t>
+            </a:r>
+            <a:r>
+              <a:rPr lang="ko-KR" altLang="en-US" dirty="0"/>
+              <a:t>프로젝트 정보</a:t>
+            </a:r>
+            <a:r>
+              <a:rPr lang="en-US" altLang="ko-KR" dirty="0"/>
+              <a:t>)</a:t>
+            </a:r>
+          </a:p>
+          <a:p>
+            <a:pPr lvl="1"/>
+            <a:r>
+              <a:rPr lang="ko-KR" altLang="en-US" dirty="0"/>
+              <a:t>성공한 리워드형 프로젝트의 경우 상세 페이지에 링크 연결</a:t>
+            </a:r>
+            <a:endParaRPr lang="en-US" altLang="ko-KR" dirty="0"/>
+          </a:p>
+          <a:p>
+            <a:pPr marL="342900" indent="-342900">
+              <a:buAutoNum type="arabicPeriod"/>
+            </a:pPr>
+            <a:r>
+              <a:rPr lang="ko-KR" altLang="en-US" dirty="0"/>
+              <a:t>수익금 분배 방식의 경우 수익금 분배 기간</a:t>
+            </a:r>
+            <a:r>
+              <a:rPr lang="en-US" altLang="ko-KR" dirty="0"/>
+              <a:t>, </a:t>
+            </a:r>
+            <a:r>
+              <a:rPr lang="ko-KR" altLang="en-US" dirty="0"/>
+              <a:t>수익률</a:t>
+            </a:r>
+            <a:endParaRPr lang="en-US" altLang="ko-KR" dirty="0"/>
+          </a:p>
+          <a:p>
+            <a:pPr marL="342900" indent="-342900">
+              <a:buAutoNum type="arabicPeriod"/>
+            </a:pPr>
+            <a:r>
+              <a:rPr lang="ko-KR" altLang="en-US" dirty="0"/>
+              <a:t>메인페이지</a:t>
+            </a:r>
+            <a:endParaRPr lang="en-US" altLang="ko-KR" dirty="0"/>
+          </a:p>
+          <a:p>
+            <a:pPr marL="342900" indent="-342900">
+              <a:buAutoNum type="arabicPeriod"/>
+            </a:pPr>
+            <a:r>
+              <a:rPr lang="ko-KR" altLang="en-US" dirty="0"/>
+              <a:t>마이페이지</a:t>
+            </a:r>
+            <a:r>
+              <a:rPr lang="en-US" altLang="ko-KR" dirty="0"/>
+              <a:t>(</a:t>
+            </a:r>
+            <a:r>
+              <a:rPr lang="ko-KR" altLang="en-US" dirty="0"/>
+              <a:t>내가 오픈한 프로젝트</a:t>
+            </a:r>
+            <a:r>
+              <a:rPr lang="en-US" altLang="ko-KR" dirty="0"/>
+              <a:t>, </a:t>
+            </a:r>
+            <a:r>
+              <a:rPr lang="ko-KR" altLang="en-US" dirty="0"/>
+              <a:t>내가 투자한 프로젝트</a:t>
+            </a:r>
+            <a:r>
+              <a:rPr lang="en-US" altLang="ko-KR" dirty="0"/>
+              <a:t>)</a:t>
+            </a:r>
+          </a:p>
+          <a:p>
+            <a:pPr marL="342900" indent="-342900">
+              <a:buAutoNum type="arabicPeriod"/>
+            </a:pPr>
+            <a:r>
+              <a:rPr lang="ko-KR" altLang="en-US" dirty="0"/>
+              <a:t>프로젝트 올리기</a:t>
+            </a:r>
+            <a:r>
+              <a:rPr lang="en-US" altLang="ko-KR" dirty="0"/>
+              <a:t>(</a:t>
+            </a:r>
+            <a:r>
+              <a:rPr lang="ko-KR" altLang="en-US" dirty="0"/>
+              <a:t>관리자 검증 필수</a:t>
+            </a:r>
+            <a:r>
+              <a:rPr lang="en-US" altLang="ko-KR" dirty="0"/>
+              <a:t>)</a:t>
+            </a:r>
+          </a:p>
+          <a:p>
+            <a:r>
+              <a:rPr lang="en-US" altLang="ko-KR" dirty="0"/>
+              <a:t>9.</a:t>
+            </a:r>
+            <a:r>
+              <a:rPr lang="ko-KR" altLang="en-US" dirty="0"/>
+              <a:t>  성공한 리워드형 프로젝트의 상품을 판매하는 마켓</a:t>
+            </a:r>
+            <a:endParaRPr lang="en-US" altLang="ko-KR" dirty="0"/>
+          </a:p>
+          <a:p>
+            <a:pPr marL="342900" indent="-342900">
+              <a:buAutoNum type="arabicPeriod"/>
+            </a:pPr>
+            <a:endParaRPr lang="en-US" altLang="ko-KR" dirty="0"/>
           </a:p>
           <a:p>
             <a:endParaRPr lang="ko-KR" altLang="en-US" dirty="0"/>
@@ -3219,10 +3415,170 @@
           <a:lstStyle/>
           <a:p>
             <a:r>
-              <a:rPr lang="ko-KR" altLang="en-US" dirty="0" smtClean="0"/>
+              <a:rPr lang="ko-KR" altLang="en-US" dirty="0"/>
               <a:t>관리자</a:t>
             </a:r>
-            <a:endParaRPr lang="en-US" altLang="ko-KR" dirty="0" smtClean="0"/>
+            <a:endParaRPr lang="en-US" altLang="ko-KR" dirty="0"/>
+          </a:p>
+        </p:txBody>
+      </p:sp>
+      <p:sp>
+        <p:nvSpPr>
+          <p:cNvPr id="3" name="TextBox 2">
+            <a:extLst>
+              <a:ext uri="{FF2B5EF4-FFF2-40B4-BE49-F238E27FC236}">
+                <a16:creationId xmlns:a16="http://schemas.microsoft.com/office/drawing/2014/main" id="{F3E83739-76A8-448A-B7C8-9B46743C705A}"/>
+              </a:ext>
+            </a:extLst>
+          </p:cNvPr>
+          <p:cNvSpPr txBox="1"/>
+          <p:nvPr/>
+        </p:nvSpPr>
+        <p:spPr>
+          <a:xfrm>
+            <a:off x="428596" y="1285860"/>
+            <a:ext cx="8463884" cy="2585323"/>
+          </a:xfrm>
+          <a:prstGeom prst="rect">
+            <a:avLst/>
+          </a:prstGeom>
+          <a:noFill/>
+        </p:spPr>
+        <p:txBody>
+          <a:bodyPr wrap="square" rtlCol="0">
+            <a:spAutoFit/>
+          </a:bodyPr>
+          <a:lstStyle/>
+          <a:p>
+            <a:endParaRPr lang="en-US" altLang="ko-KR" dirty="0"/>
+          </a:p>
+          <a:p>
+            <a:pPr marL="342900" indent="-342900">
+              <a:buAutoNum type="arabicPeriod"/>
+            </a:pPr>
+            <a:r>
+              <a:rPr lang="ko-KR" altLang="en-US" dirty="0"/>
+              <a:t>마스터 관리자 </a:t>
+            </a:r>
+            <a:r>
+              <a:rPr lang="en-US" altLang="ko-KR" dirty="0"/>
+              <a:t>/ </a:t>
+            </a:r>
+            <a:r>
+              <a:rPr lang="ko-KR" altLang="en-US" dirty="0"/>
+              <a:t>일반 관리자 분리</a:t>
+            </a:r>
+            <a:endParaRPr lang="en-US" altLang="ko-KR" dirty="0"/>
+          </a:p>
+          <a:p>
+            <a:pPr marL="342900" indent="-342900">
+              <a:buAutoNum type="arabicPeriod"/>
+            </a:pPr>
+            <a:r>
+              <a:rPr lang="ko-KR" altLang="en-US" dirty="0"/>
+              <a:t>공지사항 올리기</a:t>
+            </a:r>
+            <a:r>
+              <a:rPr lang="en-US" altLang="ko-KR" dirty="0"/>
+              <a:t>(</a:t>
+            </a:r>
+            <a:r>
+              <a:rPr lang="ko-KR" altLang="en-US" dirty="0"/>
+              <a:t>특정 공지사항 상단 노출</a:t>
+            </a:r>
+            <a:r>
+              <a:rPr lang="en-US" altLang="ko-KR" dirty="0"/>
+              <a:t>)</a:t>
+            </a:r>
+          </a:p>
+          <a:p>
+            <a:pPr marL="342900" indent="-342900">
+              <a:buAutoNum type="arabicPeriod"/>
+            </a:pPr>
+            <a:r>
+              <a:rPr lang="ko-KR" altLang="en-US" dirty="0"/>
+              <a:t>프로젝트 관리</a:t>
+            </a:r>
+            <a:r>
+              <a:rPr lang="en-US" altLang="ko-KR" dirty="0"/>
+              <a:t>(</a:t>
+            </a:r>
+            <a:r>
+              <a:rPr lang="ko-KR" altLang="en-US" dirty="0"/>
+              <a:t>프로젝트 정보</a:t>
+            </a:r>
+            <a:r>
+              <a:rPr lang="en-US" altLang="ko-KR" dirty="0"/>
+              <a:t>, </a:t>
+            </a:r>
+            <a:r>
+              <a:rPr lang="ko-KR" altLang="en-US" dirty="0"/>
+              <a:t>프로젝트 업로드 회원</a:t>
+            </a:r>
+            <a:r>
+              <a:rPr lang="en-US" altLang="ko-KR" dirty="0"/>
+              <a:t>, </a:t>
+            </a:r>
+            <a:r>
+              <a:rPr lang="ko-KR" altLang="en-US" dirty="0"/>
+              <a:t>프로젝트 기간</a:t>
+            </a:r>
+            <a:r>
+              <a:rPr lang="en-US" altLang="ko-KR" dirty="0"/>
+              <a:t>, </a:t>
+            </a:r>
+            <a:r>
+              <a:rPr lang="ko-KR" altLang="en-US" dirty="0"/>
+              <a:t>공개여부</a:t>
+            </a:r>
+            <a:r>
+              <a:rPr lang="en-US" altLang="ko-KR" dirty="0"/>
+              <a:t>)</a:t>
+            </a:r>
+          </a:p>
+          <a:p>
+            <a:pPr marL="342900" indent="-342900">
+              <a:buAutoNum type="arabicPeriod"/>
+            </a:pPr>
+            <a:r>
+              <a:rPr lang="ko-KR" altLang="en-US" dirty="0"/>
+              <a:t>회원 관리</a:t>
+            </a:r>
+            <a:r>
+              <a:rPr lang="en-US" altLang="ko-KR" dirty="0"/>
+              <a:t>(</a:t>
+            </a:r>
+            <a:r>
+              <a:rPr lang="ko-KR" altLang="en-US" dirty="0"/>
+              <a:t>회원 제재</a:t>
+            </a:r>
+            <a:r>
+              <a:rPr lang="en-US" altLang="ko-KR" dirty="0"/>
+              <a:t>, </a:t>
+            </a:r>
+            <a:r>
+              <a:rPr lang="ko-KR" altLang="en-US" dirty="0"/>
+              <a:t>회원정보 확인</a:t>
+            </a:r>
+            <a:r>
+              <a:rPr lang="en-US" altLang="ko-KR" dirty="0"/>
+              <a:t>)</a:t>
+            </a:r>
+          </a:p>
+          <a:p>
+            <a:pPr marL="342900" indent="-342900">
+              <a:buAutoNum type="arabicPeriod"/>
+            </a:pPr>
+            <a:endParaRPr lang="en-US" altLang="ko-KR" dirty="0"/>
+          </a:p>
+          <a:p>
+            <a:pPr marL="342900" indent="-342900">
+              <a:buAutoNum type="arabicPeriod"/>
+            </a:pPr>
+            <a:endParaRPr lang="en-US" altLang="ko-KR" dirty="0"/>
+          </a:p>
+          <a:p>
+            <a:endParaRPr lang="ko-KR" altLang="en-US" dirty="0"/>
           </a:p>
         </p:txBody>
       </p:sp>
@@ -3274,10 +3630,10 @@
           <a:lstStyle/>
           <a:p>
             <a:r>
-              <a:rPr lang="ko-KR" altLang="en-US" dirty="0" smtClean="0"/>
+              <a:rPr lang="ko-KR" altLang="en-US" dirty="0"/>
               <a:t>기타 추가하고 싶은 기능</a:t>
             </a:r>
-            <a:endParaRPr lang="en-US" altLang="ko-KR" dirty="0" smtClean="0"/>
+            <a:endParaRPr lang="en-US" altLang="ko-KR" dirty="0"/>
           </a:p>
         </p:txBody>
       </p:sp>
